--- a/docs/GAME-GARAGE (1).pptx
+++ b/docs/GAME-GARAGE (1).pptx
@@ -47,18 +47,20 @@
     <p:sldId id="289" r:id="rId41"/>
     <p:sldId id="301" r:id="rId42"/>
     <p:sldId id="302" r:id="rId43"/>
-    <p:sldId id="304" r:id="rId44"/>
-    <p:sldId id="306" r:id="rId45"/>
-    <p:sldId id="305" r:id="rId46"/>
-    <p:sldId id="307" r:id="rId47"/>
-    <p:sldId id="308" r:id="rId48"/>
-    <p:sldId id="309" r:id="rId49"/>
-    <p:sldId id="310" r:id="rId50"/>
-    <p:sldId id="311" r:id="rId51"/>
-    <p:sldId id="312" r:id="rId52"/>
-    <p:sldId id="313" r:id="rId53"/>
-    <p:sldId id="314" r:id="rId54"/>
-    <p:sldId id="315" r:id="rId55"/>
+    <p:sldId id="316" r:id="rId44"/>
+    <p:sldId id="304" r:id="rId45"/>
+    <p:sldId id="306" r:id="rId46"/>
+    <p:sldId id="305" r:id="rId47"/>
+    <p:sldId id="307" r:id="rId48"/>
+    <p:sldId id="308" r:id="rId49"/>
+    <p:sldId id="309" r:id="rId50"/>
+    <p:sldId id="310" r:id="rId51"/>
+    <p:sldId id="311" r:id="rId52"/>
+    <p:sldId id="312" r:id="rId53"/>
+    <p:sldId id="313" r:id="rId54"/>
+    <p:sldId id="314" r:id="rId55"/>
+    <p:sldId id="315" r:id="rId56"/>
+    <p:sldId id="317" r:id="rId57"/>
   </p:sldIdLst>
   <p:sldSz cx="9144000" cy="6858000" type="screen4x3"/>
   <p:notesSz cx="6858000" cy="9144000"/>
@@ -159,7 +161,7 @@
   </p:defaultTextStyle>
   <p:extLst>
     <p:ext uri="{EFAFB233-063F-42B5-8137-9DF3F51BA10A}">
-      <p15:sldGuideLst xmlns:p15="http://schemas.microsoft.com/office/powerpoint/2012/main" xmlns="">
+      <p15:sldGuideLst xmlns:p15="http://schemas.microsoft.com/office/powerpoint/2012/main">
         <p15:guide id="1" orient="horz" pos="2160">
           <p15:clr>
             <a:srgbClr val="A4A3A4"/>
@@ -364,7 +366,7 @@
           <a:p>
             <a:fld id="{68F444F2-A9D2-41CC-8CAD-7F32039B99DB}" type="datetimeFigureOut">
               <a:rPr lang="en-US" smtClean="0"/>
-              <a:t>11/22/2015</a:t>
+              <a:t>12/14/2015</a:t>
             </a:fld>
             <a:endParaRPr lang="en-US"/>
           </a:p>
@@ -564,7 +566,7 @@
           <a:p>
             <a:fld id="{68F444F2-A9D2-41CC-8CAD-7F32039B99DB}" type="datetimeFigureOut">
               <a:rPr lang="en-US" smtClean="0"/>
-              <a:t>11/22/2015</a:t>
+              <a:t>12/14/2015</a:t>
             </a:fld>
             <a:endParaRPr lang="en-US"/>
           </a:p>
@@ -739,7 +741,7 @@
           <a:p>
             <a:fld id="{68F444F2-A9D2-41CC-8CAD-7F32039B99DB}" type="datetimeFigureOut">
               <a:rPr lang="en-US" smtClean="0"/>
-              <a:t>11/22/2015</a:t>
+              <a:t>12/14/2015</a:t>
             </a:fld>
             <a:endParaRPr lang="en-US"/>
           </a:p>
@@ -904,7 +906,7 @@
           <a:p>
             <a:fld id="{68F444F2-A9D2-41CC-8CAD-7F32039B99DB}" type="datetimeFigureOut">
               <a:rPr lang="en-US" smtClean="0"/>
-              <a:t>11/22/2015</a:t>
+              <a:t>12/14/2015</a:t>
             </a:fld>
             <a:endParaRPr lang="en-US"/>
           </a:p>
@@ -1152,7 +1154,7 @@
           <a:p>
             <a:fld id="{68F444F2-A9D2-41CC-8CAD-7F32039B99DB}" type="datetimeFigureOut">
               <a:rPr lang="en-US" smtClean="0"/>
-              <a:t>11/22/2015</a:t>
+              <a:t>12/14/2015</a:t>
             </a:fld>
             <a:endParaRPr lang="en-US"/>
           </a:p>
@@ -1470,7 +1472,7 @@
           <a:p>
             <a:fld id="{68F444F2-A9D2-41CC-8CAD-7F32039B99DB}" type="datetimeFigureOut">
               <a:rPr lang="en-US" smtClean="0"/>
-              <a:t>11/22/2015</a:t>
+              <a:t>12/14/2015</a:t>
             </a:fld>
             <a:endParaRPr lang="en-US"/>
           </a:p>
@@ -1936,7 +1938,7 @@
           <a:p>
             <a:fld id="{68F444F2-A9D2-41CC-8CAD-7F32039B99DB}" type="datetimeFigureOut">
               <a:rPr lang="en-US" smtClean="0"/>
-              <a:t>11/22/2015</a:t>
+              <a:t>12/14/2015</a:t>
             </a:fld>
             <a:endParaRPr lang="en-US"/>
           </a:p>
@@ -2084,7 +2086,7 @@
           <a:p>
             <a:fld id="{68F444F2-A9D2-41CC-8CAD-7F32039B99DB}" type="datetimeFigureOut">
               <a:rPr lang="en-US" smtClean="0"/>
-              <a:t>11/22/2015</a:t>
+              <a:t>12/14/2015</a:t>
             </a:fld>
             <a:endParaRPr lang="en-US"/>
           </a:p>
@@ -2174,7 +2176,7 @@
           <a:p>
             <a:fld id="{68F444F2-A9D2-41CC-8CAD-7F32039B99DB}" type="datetimeFigureOut">
               <a:rPr lang="en-US" smtClean="0"/>
-              <a:t>11/22/2015</a:t>
+              <a:t>12/14/2015</a:t>
             </a:fld>
             <a:endParaRPr lang="en-US"/>
           </a:p>
@@ -2448,7 +2450,7 @@
           <a:p>
             <a:fld id="{68F444F2-A9D2-41CC-8CAD-7F32039B99DB}" type="datetimeFigureOut">
               <a:rPr lang="en-US" smtClean="0"/>
-              <a:t>11/22/2015</a:t>
+              <a:t>12/14/2015</a:t>
             </a:fld>
             <a:endParaRPr lang="en-US"/>
           </a:p>
@@ -2753,7 +2755,7 @@
           <a:p>
             <a:fld id="{68F444F2-A9D2-41CC-8CAD-7F32039B99DB}" type="datetimeFigureOut">
               <a:rPr lang="en-US" smtClean="0"/>
-              <a:t>11/22/2015</a:t>
+              <a:t>12/14/2015</a:t>
             </a:fld>
             <a:endParaRPr lang="en-US"/>
           </a:p>
@@ -3051,7 +3053,7 @@
           <a:p>
             <a:fld id="{68F444F2-A9D2-41CC-8CAD-7F32039B99DB}" type="datetimeFigureOut">
               <a:rPr lang="en-US" smtClean="0"/>
-              <a:t>11/22/2015</a:t>
+              <a:t>12/14/2015</a:t>
             </a:fld>
             <a:endParaRPr lang="en-US"/>
           </a:p>
@@ -6307,7 +6309,15 @@
             </a:pPr>
             <a:r>
               <a:rPr lang="en-US" dirty="0" smtClean="0"/>
-              <a:t>The username/email is unique to every account that is recorded in the database</a:t>
+              <a:t>The </a:t>
+            </a:r>
+            <a:r>
+              <a:rPr lang="en-US" dirty="0" smtClean="0"/>
+              <a:t>email </a:t>
+            </a:r>
+            <a:r>
+              <a:rPr lang="en-US" dirty="0" smtClean="0"/>
+              <a:t>is unique to every account that is recorded in the database</a:t>
             </a:r>
           </a:p>
           <a:p>
@@ -6317,7 +6327,15 @@
             </a:pPr>
             <a:r>
               <a:rPr lang="en-US" dirty="0" smtClean="0"/>
-              <a:t>When signing up, the information must be complete such as the username/email, password and confirm password</a:t>
+              <a:t>When signing up, the information must be complete such as the </a:t>
+            </a:r>
+            <a:r>
+              <a:rPr lang="en-US" dirty="0" smtClean="0"/>
+              <a:t>email</a:t>
+            </a:r>
+            <a:r>
+              <a:rPr lang="en-US" dirty="0" smtClean="0"/>
+              <a:t>, password and confirm password</a:t>
             </a:r>
           </a:p>
           <a:p>
@@ -6797,8 +6815,8 @@
               <a:buAutoNum type="arabicPeriod"/>
             </a:pPr>
             <a:r>
-              <a:rPr lang="en-US" sz="2000" dirty="0" smtClean="0"/>
-              <a:t>The user will be redirected to the Log in page</a:t>
+              <a:rPr lang="en-US" sz="2000" dirty="0"/>
+              <a:t>A prompt will show that the user is successful in signing up</a:t>
             </a:r>
           </a:p>
           <a:p>
@@ -6810,6 +6828,7 @@
               <a:rPr lang="en-US" sz="2000" dirty="0" smtClean="0"/>
               <a:t>Exit </a:t>
             </a:r>
+            <a:endParaRPr lang="en-US" sz="2000" dirty="0" smtClean="0"/>
           </a:p>
         </p:txBody>
       </p:sp>
@@ -7221,8 +7240,8 @@
           <a:p>
             <a:pPr lvl="1"/>
             <a:r>
-              <a:rPr lang="en-US" dirty="0" smtClean="0"/>
-              <a:t>(Alternative) If there are multiple tabs open and the user already logged out in 1 tab, if the user clicks on something on 1 of the tabs there will be a prompt saying “You are already logged out”</a:t>
+              <a:rPr lang="en-US" dirty="0"/>
+              <a:t>(Alternative) If there are multiple tabs open and the user already logged out in 1 tab, If the user refreshes the page or go to another page on a tab he will be automatically logged out</a:t>
             </a:r>
           </a:p>
           <a:p>
@@ -7234,6 +7253,7 @@
               <a:rPr lang="en-US" dirty="0" smtClean="0"/>
               <a:t>Exit </a:t>
             </a:r>
+            <a:endParaRPr lang="en-US" dirty="0" smtClean="0"/>
           </a:p>
         </p:txBody>
       </p:sp>
@@ -9423,6 +9443,302 @@
 </file>
 
 <file path=ppt/slides/slide43.xml><?xml version="1.0" encoding="utf-8"?>
+<p:sld xmlns:a="http://schemas.openxmlformats.org/drawingml/2006/main" xmlns:r="http://schemas.openxmlformats.org/officeDocument/2006/relationships" xmlns:p="http://schemas.openxmlformats.org/presentationml/2006/main">
+  <p:cSld>
+    <p:spTree>
+      <p:nvGrpSpPr>
+        <p:cNvPr id="1" name=""/>
+        <p:cNvGrpSpPr/>
+        <p:nvPr/>
+      </p:nvGrpSpPr>
+      <p:grpSpPr>
+        <a:xfrm>
+          <a:off x="0" y="0"/>
+          <a:ext cx="0" cy="0"/>
+          <a:chOff x="0" y="0"/>
+          <a:chExt cx="0" cy="0"/>
+        </a:xfrm>
+      </p:grpSpPr>
+      <p:sp>
+        <p:nvSpPr>
+          <p:cNvPr id="3" name="Title 2"/>
+          <p:cNvSpPr>
+            <a:spLocks noGrp="1"/>
+          </p:cNvSpPr>
+          <p:nvPr>
+            <p:ph type="title"/>
+          </p:nvPr>
+        </p:nvSpPr>
+        <p:spPr/>
+        <p:txBody>
+          <a:bodyPr/>
+          <a:lstStyle/>
+          <a:p>
+            <a:r>
+              <a:rPr lang="en-US" dirty="0" smtClean="0"/>
+              <a:t>Use Cases</a:t>
+            </a:r>
+            <a:endParaRPr lang="en-US" dirty="0"/>
+          </a:p>
+        </p:txBody>
+      </p:sp>
+      <p:sp>
+        <p:nvSpPr>
+          <p:cNvPr id="2" name="Content Placeholder 1"/>
+          <p:cNvSpPr>
+            <a:spLocks noGrp="1"/>
+          </p:cNvSpPr>
+          <p:nvPr>
+            <p:ph sz="half" idx="1"/>
+          </p:nvPr>
+        </p:nvSpPr>
+        <p:spPr>
+          <a:xfrm>
+            <a:off x="457200" y="1673352"/>
+            <a:ext cx="2895600" cy="4718304"/>
+          </a:xfrm>
+        </p:spPr>
+        <p:txBody>
+          <a:bodyPr>
+            <a:normAutofit fontScale="70000" lnSpcReduction="20000"/>
+          </a:bodyPr>
+          <a:lstStyle/>
+          <a:p>
+            <a:r>
+              <a:rPr lang="en-US" dirty="0" smtClean="0"/>
+              <a:t>Use Case </a:t>
+            </a:r>
+            <a:r>
+              <a:rPr lang="en-US" dirty="0" smtClean="0"/>
+              <a:t>13</a:t>
+            </a:r>
+            <a:endParaRPr lang="en-US" dirty="0" smtClean="0"/>
+          </a:p>
+          <a:p>
+            <a:pPr marL="0" indent="0">
+              <a:buNone/>
+            </a:pPr>
+            <a:endParaRPr lang="en-US" dirty="0"/>
+          </a:p>
+        </p:txBody>
+      </p:sp>
+      <p:sp>
+        <p:nvSpPr>
+          <p:cNvPr id="4" name="Content Placeholder 3"/>
+          <p:cNvSpPr>
+            <a:spLocks noGrp="1"/>
+          </p:cNvSpPr>
+          <p:nvPr>
+            <p:ph sz="half" idx="2"/>
+          </p:nvPr>
+        </p:nvSpPr>
+        <p:spPr>
+          <a:xfrm>
+            <a:off x="3505200" y="1371600"/>
+            <a:ext cx="5181600" cy="5486400"/>
+          </a:xfrm>
+        </p:spPr>
+        <p:txBody>
+          <a:bodyPr>
+            <a:normAutofit fontScale="70000" lnSpcReduction="20000"/>
+          </a:bodyPr>
+          <a:lstStyle/>
+          <a:p>
+            <a:r>
+              <a:rPr lang="en-US" dirty="0" smtClean="0"/>
+              <a:t>Name: </a:t>
+            </a:r>
+            <a:r>
+              <a:rPr lang="en-US" dirty="0" smtClean="0"/>
+              <a:t>Update Games</a:t>
+            </a:r>
+            <a:endParaRPr lang="en-US" dirty="0" smtClean="0"/>
+          </a:p>
+          <a:p>
+            <a:r>
+              <a:rPr lang="en-US" dirty="0" smtClean="0"/>
+              <a:t>Actor: </a:t>
+            </a:r>
+            <a:r>
+              <a:rPr lang="en-US" dirty="0" smtClean="0"/>
+              <a:t>Admin</a:t>
+            </a:r>
+            <a:endParaRPr lang="en-US" dirty="0" smtClean="0"/>
+          </a:p>
+          <a:p>
+            <a:r>
+              <a:rPr lang="en-US" dirty="0" smtClean="0"/>
+              <a:t>Pre-condition: The </a:t>
+            </a:r>
+            <a:r>
+              <a:rPr lang="en-US" dirty="0" smtClean="0"/>
+              <a:t>Game is already in the Site</a:t>
+            </a:r>
+            <a:endParaRPr lang="en-US" dirty="0" smtClean="0"/>
+          </a:p>
+          <a:p>
+            <a:r>
+              <a:rPr lang="en-US" dirty="0" smtClean="0"/>
+              <a:t>Post-Condition: </a:t>
+            </a:r>
+            <a:r>
+              <a:rPr lang="en-US" dirty="0" smtClean="0"/>
+              <a:t>The information of the game will be updated</a:t>
+            </a:r>
+            <a:endParaRPr lang="en-US" dirty="0" smtClean="0"/>
+          </a:p>
+          <a:p>
+            <a:r>
+              <a:rPr lang="en-US" dirty="0" smtClean="0"/>
+              <a:t>Main Course: </a:t>
+            </a:r>
+          </a:p>
+          <a:p>
+            <a:pPr marL="514350" indent="-514350">
+              <a:buFont typeface="+mj-lt"/>
+              <a:buAutoNum type="arabicPeriod"/>
+            </a:pPr>
+            <a:r>
+              <a:rPr lang="en-US" dirty="0" smtClean="0"/>
+              <a:t>The </a:t>
+            </a:r>
+            <a:r>
+              <a:rPr lang="en-US" dirty="0" smtClean="0"/>
+              <a:t>admin</a:t>
+            </a:r>
+            <a:r>
+              <a:rPr lang="en-US" dirty="0" smtClean="0"/>
+              <a:t> </a:t>
+            </a:r>
+            <a:r>
+              <a:rPr lang="en-US" dirty="0" smtClean="0"/>
+              <a:t>clicks the </a:t>
+            </a:r>
+            <a:r>
+              <a:rPr lang="en-US" dirty="0" smtClean="0"/>
+              <a:t>update game button</a:t>
+            </a:r>
+            <a:endParaRPr lang="en-US" dirty="0" smtClean="0"/>
+          </a:p>
+          <a:p>
+            <a:pPr marL="514350" indent="-514350">
+              <a:buFont typeface="+mj-lt"/>
+              <a:buAutoNum type="arabicPeriod"/>
+            </a:pPr>
+            <a:r>
+              <a:rPr lang="en-US" dirty="0" smtClean="0"/>
+              <a:t>The </a:t>
+            </a:r>
+            <a:r>
+              <a:rPr lang="en-US" dirty="0" smtClean="0"/>
+              <a:t>admin</a:t>
+            </a:r>
+            <a:r>
+              <a:rPr lang="en-US" dirty="0" smtClean="0"/>
+              <a:t> </a:t>
+            </a:r>
+            <a:r>
+              <a:rPr lang="en-US" dirty="0" smtClean="0"/>
+              <a:t>will be redirected to a page </a:t>
+            </a:r>
+            <a:r>
+              <a:rPr lang="en-US" dirty="0" smtClean="0"/>
+              <a:t>containing fields </a:t>
+            </a:r>
+            <a:r>
+              <a:rPr lang="en-US" dirty="0" smtClean="0"/>
+              <a:t>to write </a:t>
+            </a:r>
+            <a:r>
+              <a:rPr lang="en-US" dirty="0" smtClean="0"/>
+              <a:t>the </a:t>
+            </a:r>
+            <a:r>
+              <a:rPr lang="en-US" dirty="0" smtClean="0"/>
+              <a:t>new information of the game</a:t>
+            </a:r>
+            <a:endParaRPr lang="en-US" dirty="0" smtClean="0"/>
+          </a:p>
+          <a:p>
+            <a:pPr marL="514350" indent="-514350">
+              <a:buFont typeface="+mj-lt"/>
+              <a:buAutoNum type="arabicPeriod"/>
+            </a:pPr>
+            <a:r>
+              <a:rPr lang="en-US" dirty="0" smtClean="0"/>
+              <a:t>After clicking the confirm button. The </a:t>
+            </a:r>
+            <a:r>
+              <a:rPr lang="en-US" dirty="0" smtClean="0"/>
+              <a:t>admin </a:t>
+            </a:r>
+            <a:r>
+              <a:rPr lang="en-US" dirty="0" smtClean="0"/>
+              <a:t>will </a:t>
+            </a:r>
+            <a:r>
+              <a:rPr lang="en-US" dirty="0" smtClean="0"/>
+              <a:t>be redirected to the view games page</a:t>
+            </a:r>
+            <a:endParaRPr lang="en-US" dirty="0" smtClean="0"/>
+          </a:p>
+          <a:p>
+            <a:pPr lvl="1"/>
+            <a:r>
+              <a:rPr lang="en-US" dirty="0" smtClean="0"/>
+              <a:t>Exception</a:t>
+            </a:r>
+          </a:p>
+          <a:p>
+            <a:pPr marL="731520" lvl="1" indent="-457200">
+              <a:buFont typeface="+mj-lt"/>
+              <a:buAutoNum type="alphaLcPeriod"/>
+            </a:pPr>
+            <a:r>
+              <a:rPr lang="en-US" dirty="0" smtClean="0"/>
+              <a:t>If the new changed title is already in the database there will be an error message</a:t>
+            </a:r>
+            <a:endParaRPr lang="en-US" dirty="0" smtClean="0"/>
+          </a:p>
+          <a:p>
+            <a:pPr marL="514350" indent="-514350">
+              <a:buFont typeface="+mj-lt"/>
+              <a:buAutoNum type="arabicPeriod"/>
+            </a:pPr>
+            <a:r>
+              <a:rPr lang="en-US" dirty="0" smtClean="0"/>
+              <a:t>Exit </a:t>
+            </a:r>
+          </a:p>
+          <a:p>
+            <a:pPr marL="0" indent="0">
+              <a:buNone/>
+            </a:pPr>
+            <a:endParaRPr lang="en-US" dirty="0" smtClean="0"/>
+          </a:p>
+        </p:txBody>
+      </p:sp>
+    </p:spTree>
+    <p:extLst>
+      <p:ext uri="{BB962C8B-B14F-4D97-AF65-F5344CB8AC3E}">
+        <p14:creationId xmlns:p14="http://schemas.microsoft.com/office/powerpoint/2010/main" val="4061633002"/>
+      </p:ext>
+    </p:extLst>
+  </p:cSld>
+  <p:clrMapOvr>
+    <a:masterClrMapping/>
+  </p:clrMapOvr>
+  <p:timing>
+    <p:tnLst>
+      <p:par>
+        <p:cTn id="1" dur="indefinite" restart="never" nodeType="tmRoot"/>
+      </p:par>
+    </p:tnLst>
+  </p:timing>
+</p:sld>
+</file>
+
+<file path=ppt/slides/slide44.xml><?xml version="1.0" encoding="utf-8"?>
 <p:sld xmlns:a="http://schemas.openxmlformats.org/drawingml/2006/main" xmlns:r="http://schemas.openxmlformats.org/officeDocument/2006/relationships" xmlns:p="http://schemas.openxmlformats.org/presentationml/2006/main">
   <p:cSld>
     <p:spTree>
@@ -9638,7 +9954,7 @@
 </p:sld>
 </file>
 
-<file path=ppt/slides/slide44.xml><?xml version="1.0" encoding="utf-8"?>
+<file path=ppt/slides/slide45.xml><?xml version="1.0" encoding="utf-8"?>
 <p:sld xmlns:a="http://schemas.openxmlformats.org/drawingml/2006/main" xmlns:r="http://schemas.openxmlformats.org/officeDocument/2006/relationships" xmlns:p="http://schemas.openxmlformats.org/presentationml/2006/main">
   <p:cSld>
     <p:spTree>
@@ -9838,7 +10154,7 @@
 </p:sld>
 </file>
 
-<file path=ppt/slides/slide45.xml><?xml version="1.0" encoding="utf-8"?>
+<file path=ppt/slides/slide46.xml><?xml version="1.0" encoding="utf-8"?>
 <p:sld xmlns:a="http://schemas.openxmlformats.org/drawingml/2006/main" xmlns:r="http://schemas.openxmlformats.org/officeDocument/2006/relationships" xmlns:p="http://schemas.openxmlformats.org/presentationml/2006/main">
   <p:cSld>
     <p:spTree>
@@ -9997,7 +10313,7 @@
 </p:sld>
 </file>
 
-<file path=ppt/slides/slide46.xml><?xml version="1.0" encoding="utf-8"?>
+<file path=ppt/slides/slide47.xml><?xml version="1.0" encoding="utf-8"?>
 <p:sld xmlns:a="http://schemas.openxmlformats.org/drawingml/2006/main" xmlns:r="http://schemas.openxmlformats.org/officeDocument/2006/relationships" xmlns:p="http://schemas.openxmlformats.org/presentationml/2006/main">
   <p:cSld>
     <p:spTree>
@@ -10197,7 +10513,7 @@
 </p:sld>
 </file>
 
-<file path=ppt/slides/slide47.xml><?xml version="1.0" encoding="utf-8"?>
+<file path=ppt/slides/slide48.xml><?xml version="1.0" encoding="utf-8"?>
 <p:sld xmlns:a="http://schemas.openxmlformats.org/drawingml/2006/main" xmlns:r="http://schemas.openxmlformats.org/officeDocument/2006/relationships" xmlns:p="http://schemas.openxmlformats.org/presentationml/2006/main">
   <p:cSld>
     <p:spTree>
@@ -10396,178 +10712,6 @@
 </p:sld>
 </file>
 
-<file path=ppt/slides/slide48.xml><?xml version="1.0" encoding="utf-8"?>
-<p:sld xmlns:a="http://schemas.openxmlformats.org/drawingml/2006/main" xmlns:r="http://schemas.openxmlformats.org/officeDocument/2006/relationships" xmlns:p="http://schemas.openxmlformats.org/presentationml/2006/main">
-  <p:cSld>
-    <p:spTree>
-      <p:nvGrpSpPr>
-        <p:cNvPr id="1" name=""/>
-        <p:cNvGrpSpPr/>
-        <p:nvPr/>
-      </p:nvGrpSpPr>
-      <p:grpSpPr>
-        <a:xfrm>
-          <a:off x="0" y="0"/>
-          <a:ext cx="0" cy="0"/>
-          <a:chOff x="0" y="0"/>
-          <a:chExt cx="0" cy="0"/>
-        </a:xfrm>
-      </p:grpSpPr>
-      <p:sp>
-        <p:nvSpPr>
-          <p:cNvPr id="3" name="Title 2"/>
-          <p:cNvSpPr>
-            <a:spLocks noGrp="1"/>
-          </p:cNvSpPr>
-          <p:nvPr>
-            <p:ph type="title"/>
-          </p:nvPr>
-        </p:nvSpPr>
-        <p:spPr/>
-        <p:txBody>
-          <a:bodyPr/>
-          <a:lstStyle/>
-          <a:p>
-            <a:r>
-              <a:rPr lang="en-US" dirty="0" smtClean="0"/>
-              <a:t>Test Cases</a:t>
-            </a:r>
-            <a:endParaRPr lang="en-US" dirty="0"/>
-          </a:p>
-        </p:txBody>
-      </p:sp>
-      <p:sp>
-        <p:nvSpPr>
-          <p:cNvPr id="2" name="Content Placeholder 1"/>
-          <p:cNvSpPr>
-            <a:spLocks noGrp="1"/>
-          </p:cNvSpPr>
-          <p:nvPr>
-            <p:ph sz="half" idx="1"/>
-          </p:nvPr>
-        </p:nvSpPr>
-        <p:spPr>
-          <a:xfrm>
-            <a:off x="457200" y="1673352"/>
-            <a:ext cx="2895600" cy="4718304"/>
-          </a:xfrm>
-        </p:spPr>
-        <p:txBody>
-          <a:bodyPr>
-            <a:normAutofit/>
-          </a:bodyPr>
-          <a:lstStyle/>
-          <a:p>
-            <a:r>
-              <a:rPr lang="en-US" dirty="0" smtClean="0"/>
-              <a:t>Test Case 6</a:t>
-            </a:r>
-          </a:p>
-          <a:p>
-            <a:r>
-              <a:rPr lang="en-US" dirty="0" smtClean="0"/>
-              <a:t>Feedback</a:t>
-            </a:r>
-          </a:p>
-          <a:p>
-            <a:pPr marL="0" indent="0">
-              <a:buNone/>
-            </a:pPr>
-            <a:endParaRPr lang="en-US" dirty="0"/>
-          </a:p>
-        </p:txBody>
-      </p:sp>
-      <p:sp>
-        <p:nvSpPr>
-          <p:cNvPr id="4" name="Content Placeholder 3"/>
-          <p:cNvSpPr>
-            <a:spLocks noGrp="1"/>
-          </p:cNvSpPr>
-          <p:nvPr>
-            <p:ph sz="half" idx="2"/>
-          </p:nvPr>
-        </p:nvSpPr>
-        <p:spPr>
-          <a:xfrm>
-            <a:off x="3505200" y="1371600"/>
-            <a:ext cx="5181600" cy="5486400"/>
-          </a:xfrm>
-        </p:spPr>
-        <p:txBody>
-          <a:bodyPr>
-            <a:normAutofit/>
-          </a:bodyPr>
-          <a:lstStyle/>
-          <a:p>
-            <a:r>
-              <a:rPr lang="en-US" dirty="0" smtClean="0"/>
-              <a:t> Sunny Case</a:t>
-            </a:r>
-          </a:p>
-          <a:p>
-            <a:pPr lvl="1"/>
-            <a:r>
-              <a:rPr lang="en-US" dirty="0" smtClean="0"/>
-              <a:t>The characters are within the limit</a:t>
-            </a:r>
-          </a:p>
-          <a:p>
-            <a:pPr lvl="1"/>
-            <a:r>
-              <a:rPr lang="en-US" dirty="0" smtClean="0"/>
-              <a:t>There is at least one character in the field</a:t>
-            </a:r>
-          </a:p>
-          <a:p>
-            <a:pPr lvl="1"/>
-            <a:endParaRPr lang="en-US" dirty="0"/>
-          </a:p>
-          <a:p>
-            <a:r>
-              <a:rPr lang="en-US" dirty="0" smtClean="0"/>
-              <a:t>Rainy Case</a:t>
-            </a:r>
-          </a:p>
-          <a:p>
-            <a:pPr lvl="1"/>
-            <a:r>
-              <a:rPr lang="en-US" dirty="0" smtClean="0"/>
-              <a:t>The characters exceeded the limit</a:t>
-            </a:r>
-          </a:p>
-          <a:p>
-            <a:pPr lvl="1"/>
-            <a:r>
-              <a:rPr lang="en-US" dirty="0" smtClean="0"/>
-              <a:t>There are no characters in the field</a:t>
-            </a:r>
-          </a:p>
-          <a:p>
-            <a:pPr lvl="1"/>
-            <a:endParaRPr lang="en-US" dirty="0" smtClean="0"/>
-          </a:p>
-        </p:txBody>
-      </p:sp>
-    </p:spTree>
-    <p:extLst>
-      <p:ext uri="{BB962C8B-B14F-4D97-AF65-F5344CB8AC3E}">
-        <p14:creationId xmlns:p14="http://schemas.microsoft.com/office/powerpoint/2010/main" val="2448850185"/>
-      </p:ext>
-    </p:extLst>
-  </p:cSld>
-  <p:clrMapOvr>
-    <a:masterClrMapping/>
-  </p:clrMapOvr>
-  <p:timing>
-    <p:tnLst>
-      <p:par>
-        <p:cTn id="1" dur="indefinite" restart="never" nodeType="tmRoot"/>
-      </p:par>
-    </p:tnLst>
-  </p:timing>
-</p:sld>
-</file>
-
 <file path=ppt/slides/slide49.xml><?xml version="1.0" encoding="utf-8"?>
 <p:sld xmlns:a="http://schemas.openxmlformats.org/drawingml/2006/main" xmlns:r="http://schemas.openxmlformats.org/officeDocument/2006/relationships" xmlns:p="http://schemas.openxmlformats.org/presentationml/2006/main">
   <p:cSld>
@@ -10632,18 +10776,13 @@
           <a:p>
             <a:r>
               <a:rPr lang="en-US" dirty="0" smtClean="0"/>
-              <a:t>Test Case </a:t>
-            </a:r>
-            <a:r>
-              <a:rPr lang="en-US" dirty="0"/>
-              <a:t>7</a:t>
-            </a:r>
-            <a:endParaRPr lang="en-US" dirty="0" smtClean="0"/>
-          </a:p>
-          <a:p>
-            <a:r>
-              <a:rPr lang="en-US" dirty="0" smtClean="0"/>
-              <a:t>Game Info</a:t>
+              <a:t>Test Case 6</a:t>
+            </a:r>
+          </a:p>
+          <a:p>
+            <a:r>
+              <a:rPr lang="en-US" dirty="0" smtClean="0"/>
+              <a:t>Feedback</a:t>
             </a:r>
           </a:p>
           <a:p>
@@ -10685,11 +10824,18 @@
             <a:pPr lvl="1"/>
             <a:r>
               <a:rPr lang="en-US" dirty="0" smtClean="0"/>
-              <a:t>There is an information on the game</a:t>
+              <a:t>The characters are within the limit</a:t>
             </a:r>
           </a:p>
           <a:p>
             <a:pPr lvl="1"/>
+            <a:r>
+              <a:rPr lang="en-US" dirty="0" smtClean="0"/>
+              <a:t>There is at least one character in the field</a:t>
+            </a:r>
+          </a:p>
+          <a:p>
+            <a:pPr lvl="1"/>
             <a:endParaRPr lang="en-US" dirty="0"/>
           </a:p>
           <a:p>
@@ -10702,15 +10848,26 @@
             <a:pPr lvl="1"/>
             <a:r>
               <a:rPr lang="en-US" dirty="0" smtClean="0"/>
-              <a:t>None</a:t>
-            </a:r>
+              <a:t>The characters exceeded the limit</a:t>
+            </a:r>
+          </a:p>
+          <a:p>
+            <a:pPr lvl="1"/>
+            <a:r>
+              <a:rPr lang="en-US" dirty="0" smtClean="0"/>
+              <a:t>There are no characters in the field</a:t>
+            </a:r>
+          </a:p>
+          <a:p>
+            <a:pPr lvl="1"/>
+            <a:endParaRPr lang="en-US" dirty="0" smtClean="0"/>
           </a:p>
         </p:txBody>
       </p:sp>
     </p:spTree>
     <p:extLst>
       <p:ext uri="{BB962C8B-B14F-4D97-AF65-F5344CB8AC3E}">
-        <p14:creationId xmlns:p14="http://schemas.microsoft.com/office/powerpoint/2010/main" val="1566048071"/>
+        <p14:creationId xmlns:p14="http://schemas.microsoft.com/office/powerpoint/2010/main" val="2448850185"/>
       </p:ext>
     </p:extLst>
   </p:cSld>
@@ -10929,13 +11086,18 @@
           <a:p>
             <a:r>
               <a:rPr lang="en-US" dirty="0" smtClean="0"/>
-              <a:t>Test Case 8</a:t>
-            </a:r>
-          </a:p>
-          <a:p>
-            <a:r>
-              <a:rPr lang="en-US" dirty="0" smtClean="0"/>
-              <a:t>Request Game</a:t>
+              <a:t>Test Case </a:t>
+            </a:r>
+            <a:r>
+              <a:rPr lang="en-US" dirty="0"/>
+              <a:t>7</a:t>
+            </a:r>
+            <a:endParaRPr lang="en-US" dirty="0" smtClean="0"/>
+          </a:p>
+          <a:p>
+            <a:r>
+              <a:rPr lang="en-US" dirty="0" smtClean="0"/>
+              <a:t>Game Info</a:t>
             </a:r>
           </a:p>
           <a:p>
@@ -10977,31 +11139,24 @@
             <a:pPr lvl="1"/>
             <a:r>
               <a:rPr lang="en-US" dirty="0" smtClean="0"/>
-              <a:t>The user fills up everything in the form </a:t>
+              <a:t>There is an information on the game</a:t>
             </a:r>
           </a:p>
           <a:p>
             <a:pPr lvl="1"/>
-            <a:r>
-              <a:rPr lang="en-US" dirty="0" smtClean="0"/>
-              <a:t>The game had not been requested</a:t>
+            <a:endParaRPr lang="en-US" dirty="0"/>
+          </a:p>
+          <a:p>
+            <a:r>
+              <a:rPr lang="en-US" dirty="0" smtClean="0"/>
+              <a:t>Rainy Case</a:t>
             </a:r>
           </a:p>
           <a:p>
             <a:pPr lvl="1"/>
-            <a:endParaRPr lang="en-US" dirty="0"/>
-          </a:p>
-          <a:p>
-            <a:r>
-              <a:rPr lang="en-US" dirty="0" smtClean="0"/>
-              <a:t>Rainy Case</a:t>
-            </a:r>
-          </a:p>
-          <a:p>
-            <a:pPr lvl="1"/>
-            <a:r>
-              <a:rPr lang="en-US" dirty="0" smtClean="0"/>
-              <a:t>The game has already been requested</a:t>
+            <a:r>
+              <a:rPr lang="en-US" dirty="0" smtClean="0"/>
+              <a:t>None</a:t>
             </a:r>
           </a:p>
         </p:txBody>
@@ -11009,7 +11164,7 @@
     </p:spTree>
     <p:extLst>
       <p:ext uri="{BB962C8B-B14F-4D97-AF65-F5344CB8AC3E}">
-        <p14:creationId xmlns:p14="http://schemas.microsoft.com/office/powerpoint/2010/main" val="5033180"/>
+        <p14:creationId xmlns:p14="http://schemas.microsoft.com/office/powerpoint/2010/main" val="1566048071"/>
       </p:ext>
     </p:extLst>
   </p:cSld>
@@ -11090,18 +11245,13 @@
           <a:p>
             <a:r>
               <a:rPr lang="en-US" dirty="0" smtClean="0"/>
-              <a:t>Test Case </a:t>
-            </a:r>
-            <a:r>
-              <a:rPr lang="en-US" dirty="0"/>
-              <a:t>9</a:t>
-            </a:r>
-            <a:endParaRPr lang="en-US" dirty="0" smtClean="0"/>
-          </a:p>
-          <a:p>
-            <a:r>
-              <a:rPr lang="en-US" dirty="0" smtClean="0"/>
-              <a:t>Adding Game</a:t>
+              <a:t>Test Case 8</a:t>
+            </a:r>
+          </a:p>
+          <a:p>
+            <a:r>
+              <a:rPr lang="en-US" dirty="0" smtClean="0"/>
+              <a:t>Request Game</a:t>
             </a:r>
           </a:p>
           <a:p>
@@ -11143,14 +11293,14 @@
             <a:pPr lvl="1"/>
             <a:r>
               <a:rPr lang="en-US" dirty="0" smtClean="0"/>
-              <a:t>The admin fills up the form correctly</a:t>
+              <a:t>The user fills up everything in the form </a:t>
             </a:r>
           </a:p>
           <a:p>
             <a:pPr lvl="1"/>
             <a:r>
               <a:rPr lang="en-US" dirty="0" smtClean="0"/>
-              <a:t>The game is currently not in the website</a:t>
+              <a:t>The game had not been requested</a:t>
             </a:r>
           </a:p>
           <a:p>
@@ -11167,7 +11317,7 @@
             <a:pPr lvl="1"/>
             <a:r>
               <a:rPr lang="en-US" dirty="0" smtClean="0"/>
-              <a:t>The game is already on the site</a:t>
+              <a:t>The game has already been requested</a:t>
             </a:r>
           </a:p>
         </p:txBody>
@@ -11175,7 +11325,7 @@
     </p:spTree>
     <p:extLst>
       <p:ext uri="{BB962C8B-B14F-4D97-AF65-F5344CB8AC3E}">
-        <p14:creationId xmlns:p14="http://schemas.microsoft.com/office/powerpoint/2010/main" val="2792926500"/>
+        <p14:creationId xmlns:p14="http://schemas.microsoft.com/office/powerpoint/2010/main" val="5033180"/>
       </p:ext>
     </p:extLst>
   </p:cSld>
@@ -11256,13 +11406,18 @@
           <a:p>
             <a:r>
               <a:rPr lang="en-US" dirty="0" smtClean="0"/>
-              <a:t>Test Case 10</a:t>
-            </a:r>
-          </a:p>
-          <a:p>
-            <a:r>
-              <a:rPr lang="en-US" dirty="0" smtClean="0"/>
-              <a:t>Redirecting System</a:t>
+              <a:t>Test Case </a:t>
+            </a:r>
+            <a:r>
+              <a:rPr lang="en-US" dirty="0"/>
+              <a:t>9</a:t>
+            </a:r>
+            <a:endParaRPr lang="en-US" dirty="0" smtClean="0"/>
+          </a:p>
+          <a:p>
+            <a:r>
+              <a:rPr lang="en-US" dirty="0" smtClean="0"/>
+              <a:t>Adding Game</a:t>
             </a:r>
           </a:p>
           <a:p>
@@ -11304,11 +11459,18 @@
             <a:pPr lvl="1"/>
             <a:r>
               <a:rPr lang="en-US" dirty="0" smtClean="0"/>
-              <a:t>There is an active link to the game’s website</a:t>
+              <a:t>The admin fills up the form correctly</a:t>
             </a:r>
           </a:p>
           <a:p>
             <a:pPr lvl="1"/>
+            <a:r>
+              <a:rPr lang="en-US" dirty="0" smtClean="0"/>
+              <a:t>The game is currently not in the website</a:t>
+            </a:r>
+          </a:p>
+          <a:p>
+            <a:pPr lvl="1"/>
             <a:endParaRPr lang="en-US" dirty="0"/>
           </a:p>
           <a:p>
@@ -11321,7 +11483,7 @@
             <a:pPr lvl="1"/>
             <a:r>
               <a:rPr lang="en-US" dirty="0" smtClean="0"/>
-              <a:t>None</a:t>
+              <a:t>The game is already on the site</a:t>
             </a:r>
           </a:p>
         </p:txBody>
@@ -11329,7 +11491,7 @@
     </p:spTree>
     <p:extLst>
       <p:ext uri="{BB962C8B-B14F-4D97-AF65-F5344CB8AC3E}">
-        <p14:creationId xmlns:p14="http://schemas.microsoft.com/office/powerpoint/2010/main" val="745166840"/>
+        <p14:creationId xmlns:p14="http://schemas.microsoft.com/office/powerpoint/2010/main" val="2792926500"/>
       </p:ext>
     </p:extLst>
   </p:cSld>
@@ -11410,13 +11572,13 @@
           <a:p>
             <a:r>
               <a:rPr lang="en-US" dirty="0" smtClean="0"/>
-              <a:t>Test Case 11</a:t>
-            </a:r>
-          </a:p>
-          <a:p>
-            <a:r>
-              <a:rPr lang="en-US" dirty="0" smtClean="0"/>
-              <a:t>Password Recovery</a:t>
+              <a:t>Test Case 10</a:t>
+            </a:r>
+          </a:p>
+          <a:p>
+            <a:r>
+              <a:rPr lang="en-US" dirty="0" smtClean="0"/>
+              <a:t>Redirecting System</a:t>
             </a:r>
           </a:p>
           <a:p>
@@ -11458,7 +11620,7 @@
             <a:pPr lvl="1"/>
             <a:r>
               <a:rPr lang="en-US" dirty="0" smtClean="0"/>
-              <a:t>The Email that requested to send the recovery password message is in the database</a:t>
+              <a:t>There is an active link to the game’s website</a:t>
             </a:r>
           </a:p>
           <a:p>
@@ -11475,7 +11637,7 @@
             <a:pPr lvl="1"/>
             <a:r>
               <a:rPr lang="en-US" dirty="0" smtClean="0"/>
-              <a:t>The Email is not recorded in the database</a:t>
+              <a:t>None</a:t>
             </a:r>
           </a:p>
         </p:txBody>
@@ -11483,7 +11645,7 @@
     </p:spTree>
     <p:extLst>
       <p:ext uri="{BB962C8B-B14F-4D97-AF65-F5344CB8AC3E}">
-        <p14:creationId xmlns:p14="http://schemas.microsoft.com/office/powerpoint/2010/main" val="3276885370"/>
+        <p14:creationId xmlns:p14="http://schemas.microsoft.com/office/powerpoint/2010/main" val="745166840"/>
       </p:ext>
     </p:extLst>
   </p:cSld>
@@ -11558,13 +11720,13 @@
         </p:spPr>
         <p:txBody>
           <a:bodyPr>
-            <a:normAutofit fontScale="92500" lnSpcReduction="20000"/>
+            <a:normAutofit/>
           </a:bodyPr>
           <a:lstStyle/>
           <a:p>
             <a:r>
               <a:rPr lang="en-US" dirty="0" smtClean="0"/>
-              <a:t>Test Case 12</a:t>
+              <a:t>Test Case 11</a:t>
             </a:r>
           </a:p>
           <a:p>
@@ -11599,6 +11761,160 @@
         </p:spPr>
         <p:txBody>
           <a:bodyPr>
+            <a:normAutofit/>
+          </a:bodyPr>
+          <a:lstStyle/>
+          <a:p>
+            <a:r>
+              <a:rPr lang="en-US" dirty="0" smtClean="0"/>
+              <a:t> Sunny Case</a:t>
+            </a:r>
+          </a:p>
+          <a:p>
+            <a:pPr lvl="1"/>
+            <a:r>
+              <a:rPr lang="en-US" dirty="0" smtClean="0"/>
+              <a:t>The Email that requested to send the recovery password message is in the database</a:t>
+            </a:r>
+          </a:p>
+          <a:p>
+            <a:pPr lvl="1"/>
+            <a:endParaRPr lang="en-US" dirty="0"/>
+          </a:p>
+          <a:p>
+            <a:r>
+              <a:rPr lang="en-US" dirty="0" smtClean="0"/>
+              <a:t>Rainy Case</a:t>
+            </a:r>
+          </a:p>
+          <a:p>
+            <a:pPr lvl="1"/>
+            <a:r>
+              <a:rPr lang="en-US" dirty="0" smtClean="0"/>
+              <a:t>The Email is not recorded in the database</a:t>
+            </a:r>
+          </a:p>
+        </p:txBody>
+      </p:sp>
+    </p:spTree>
+    <p:extLst>
+      <p:ext uri="{BB962C8B-B14F-4D97-AF65-F5344CB8AC3E}">
+        <p14:creationId xmlns:p14="http://schemas.microsoft.com/office/powerpoint/2010/main" val="3276885370"/>
+      </p:ext>
+    </p:extLst>
+  </p:cSld>
+  <p:clrMapOvr>
+    <a:masterClrMapping/>
+  </p:clrMapOvr>
+  <p:timing>
+    <p:tnLst>
+      <p:par>
+        <p:cTn id="1" dur="indefinite" restart="never" nodeType="tmRoot"/>
+      </p:par>
+    </p:tnLst>
+  </p:timing>
+</p:sld>
+</file>
+
+<file path=ppt/slides/slide55.xml><?xml version="1.0" encoding="utf-8"?>
+<p:sld xmlns:a="http://schemas.openxmlformats.org/drawingml/2006/main" xmlns:r="http://schemas.openxmlformats.org/officeDocument/2006/relationships" xmlns:p="http://schemas.openxmlformats.org/presentationml/2006/main">
+  <p:cSld>
+    <p:spTree>
+      <p:nvGrpSpPr>
+        <p:cNvPr id="1" name=""/>
+        <p:cNvGrpSpPr/>
+        <p:nvPr/>
+      </p:nvGrpSpPr>
+      <p:grpSpPr>
+        <a:xfrm>
+          <a:off x="0" y="0"/>
+          <a:ext cx="0" cy="0"/>
+          <a:chOff x="0" y="0"/>
+          <a:chExt cx="0" cy="0"/>
+        </a:xfrm>
+      </p:grpSpPr>
+      <p:sp>
+        <p:nvSpPr>
+          <p:cNvPr id="3" name="Title 2"/>
+          <p:cNvSpPr>
+            <a:spLocks noGrp="1"/>
+          </p:cNvSpPr>
+          <p:nvPr>
+            <p:ph type="title"/>
+          </p:nvPr>
+        </p:nvSpPr>
+        <p:spPr/>
+        <p:txBody>
+          <a:bodyPr/>
+          <a:lstStyle/>
+          <a:p>
+            <a:r>
+              <a:rPr lang="en-US" dirty="0" smtClean="0"/>
+              <a:t>Test Cases</a:t>
+            </a:r>
+            <a:endParaRPr lang="en-US" dirty="0"/>
+          </a:p>
+        </p:txBody>
+      </p:sp>
+      <p:sp>
+        <p:nvSpPr>
+          <p:cNvPr id="2" name="Content Placeholder 1"/>
+          <p:cNvSpPr>
+            <a:spLocks noGrp="1"/>
+          </p:cNvSpPr>
+          <p:nvPr>
+            <p:ph sz="half" idx="1"/>
+          </p:nvPr>
+        </p:nvSpPr>
+        <p:spPr>
+          <a:xfrm>
+            <a:off x="457200" y="1673352"/>
+            <a:ext cx="2895600" cy="4718304"/>
+          </a:xfrm>
+        </p:spPr>
+        <p:txBody>
+          <a:bodyPr>
+            <a:normAutofit fontScale="92500" lnSpcReduction="20000"/>
+          </a:bodyPr>
+          <a:lstStyle/>
+          <a:p>
+            <a:r>
+              <a:rPr lang="en-US" dirty="0" smtClean="0"/>
+              <a:t>Test Case 12</a:t>
+            </a:r>
+          </a:p>
+          <a:p>
+            <a:r>
+              <a:rPr lang="en-US" dirty="0" smtClean="0"/>
+              <a:t>Password Recovery</a:t>
+            </a:r>
+          </a:p>
+          <a:p>
+            <a:pPr marL="0" indent="0">
+              <a:buNone/>
+            </a:pPr>
+            <a:endParaRPr lang="en-US" dirty="0"/>
+          </a:p>
+        </p:txBody>
+      </p:sp>
+      <p:sp>
+        <p:nvSpPr>
+          <p:cNvPr id="4" name="Content Placeholder 3"/>
+          <p:cNvSpPr>
+            <a:spLocks noGrp="1"/>
+          </p:cNvSpPr>
+          <p:nvPr>
+            <p:ph sz="half" idx="2"/>
+          </p:nvPr>
+        </p:nvSpPr>
+        <p:spPr>
+          <a:xfrm>
+            <a:off x="3505200" y="1371600"/>
+            <a:ext cx="5181600" cy="5486400"/>
+          </a:xfrm>
+        </p:spPr>
+        <p:txBody>
+          <a:bodyPr>
             <a:normAutofit fontScale="92500" lnSpcReduction="20000"/>
           </a:bodyPr>
           <a:lstStyle/>
@@ -11671,6 +11987,189 @@
     <p:extLst>
       <p:ext uri="{BB962C8B-B14F-4D97-AF65-F5344CB8AC3E}">
         <p14:creationId xmlns:p14="http://schemas.microsoft.com/office/powerpoint/2010/main" val="251912841"/>
+      </p:ext>
+    </p:extLst>
+  </p:cSld>
+  <p:clrMapOvr>
+    <a:masterClrMapping/>
+  </p:clrMapOvr>
+  <p:timing>
+    <p:tnLst>
+      <p:par>
+        <p:cTn id="1" dur="indefinite" restart="never" nodeType="tmRoot"/>
+      </p:par>
+    </p:tnLst>
+  </p:timing>
+</p:sld>
+</file>
+
+<file path=ppt/slides/slide56.xml><?xml version="1.0" encoding="utf-8"?>
+<p:sld xmlns:a="http://schemas.openxmlformats.org/drawingml/2006/main" xmlns:r="http://schemas.openxmlformats.org/officeDocument/2006/relationships" xmlns:p="http://schemas.openxmlformats.org/presentationml/2006/main">
+  <p:cSld>
+    <p:spTree>
+      <p:nvGrpSpPr>
+        <p:cNvPr id="1" name=""/>
+        <p:cNvGrpSpPr/>
+        <p:nvPr/>
+      </p:nvGrpSpPr>
+      <p:grpSpPr>
+        <a:xfrm>
+          <a:off x="0" y="0"/>
+          <a:ext cx="0" cy="0"/>
+          <a:chOff x="0" y="0"/>
+          <a:chExt cx="0" cy="0"/>
+        </a:xfrm>
+      </p:grpSpPr>
+      <p:sp>
+        <p:nvSpPr>
+          <p:cNvPr id="3" name="Title 2"/>
+          <p:cNvSpPr>
+            <a:spLocks noGrp="1"/>
+          </p:cNvSpPr>
+          <p:nvPr>
+            <p:ph type="title"/>
+          </p:nvPr>
+        </p:nvSpPr>
+        <p:spPr/>
+        <p:txBody>
+          <a:bodyPr/>
+          <a:lstStyle/>
+          <a:p>
+            <a:r>
+              <a:rPr lang="en-US" dirty="0" smtClean="0"/>
+              <a:t>Test Cases</a:t>
+            </a:r>
+            <a:endParaRPr lang="en-US" dirty="0"/>
+          </a:p>
+        </p:txBody>
+      </p:sp>
+      <p:sp>
+        <p:nvSpPr>
+          <p:cNvPr id="2" name="Content Placeholder 1"/>
+          <p:cNvSpPr>
+            <a:spLocks noGrp="1"/>
+          </p:cNvSpPr>
+          <p:nvPr>
+            <p:ph sz="half" idx="1"/>
+          </p:nvPr>
+        </p:nvSpPr>
+        <p:spPr>
+          <a:xfrm>
+            <a:off x="457200" y="1673352"/>
+            <a:ext cx="2895600" cy="4718304"/>
+          </a:xfrm>
+        </p:spPr>
+        <p:txBody>
+          <a:bodyPr>
+            <a:normAutofit/>
+          </a:bodyPr>
+          <a:lstStyle/>
+          <a:p>
+            <a:r>
+              <a:rPr lang="en-US" dirty="0" smtClean="0"/>
+              <a:t>Test Case </a:t>
+            </a:r>
+            <a:r>
+              <a:rPr lang="en-US" dirty="0" smtClean="0"/>
+              <a:t>13</a:t>
+            </a:r>
+            <a:endParaRPr lang="en-US" dirty="0" smtClean="0"/>
+          </a:p>
+          <a:p>
+            <a:r>
+              <a:rPr lang="en-US" dirty="0" smtClean="0"/>
+              <a:t>Update Game</a:t>
+            </a:r>
+            <a:endParaRPr lang="en-US" dirty="0" smtClean="0"/>
+          </a:p>
+          <a:p>
+            <a:pPr marL="0" indent="0">
+              <a:buNone/>
+            </a:pPr>
+            <a:endParaRPr lang="en-US" dirty="0"/>
+          </a:p>
+        </p:txBody>
+      </p:sp>
+      <p:sp>
+        <p:nvSpPr>
+          <p:cNvPr id="4" name="Content Placeholder 3"/>
+          <p:cNvSpPr>
+            <a:spLocks noGrp="1"/>
+          </p:cNvSpPr>
+          <p:nvPr>
+            <p:ph sz="half" idx="2"/>
+          </p:nvPr>
+        </p:nvSpPr>
+        <p:spPr>
+          <a:xfrm>
+            <a:off x="3505200" y="1371600"/>
+            <a:ext cx="5181600" cy="5486400"/>
+          </a:xfrm>
+        </p:spPr>
+        <p:txBody>
+          <a:bodyPr>
+            <a:normAutofit/>
+          </a:bodyPr>
+          <a:lstStyle/>
+          <a:p>
+            <a:r>
+              <a:rPr lang="en-US" dirty="0" smtClean="0"/>
+              <a:t> Sunny Case</a:t>
+            </a:r>
+          </a:p>
+          <a:p>
+            <a:pPr lvl="1"/>
+            <a:r>
+              <a:rPr lang="en-US" dirty="0"/>
+              <a:t>The admin fills up the form correctly</a:t>
+            </a:r>
+          </a:p>
+          <a:p>
+            <a:pPr lvl="1"/>
+            <a:r>
+              <a:rPr lang="en-US" dirty="0" smtClean="0"/>
+              <a:t>The new title of the </a:t>
+            </a:r>
+            <a:r>
+              <a:rPr lang="en-US" dirty="0"/>
+              <a:t>game is currently not in the website</a:t>
+            </a:r>
+          </a:p>
+          <a:p>
+            <a:pPr lvl="1"/>
+            <a:endParaRPr lang="en-US" dirty="0"/>
+          </a:p>
+          <a:p>
+            <a:r>
+              <a:rPr lang="en-US" dirty="0" smtClean="0"/>
+              <a:t>Rainy Case</a:t>
+            </a:r>
+          </a:p>
+          <a:p>
+            <a:pPr lvl="1"/>
+            <a:r>
+              <a:rPr lang="en-US" dirty="0" smtClean="0"/>
+              <a:t>If the </a:t>
+            </a:r>
+            <a:r>
+              <a:rPr lang="en-US" dirty="0" smtClean="0"/>
+              <a:t>updated title of the game is already on the site</a:t>
+            </a:r>
+          </a:p>
+          <a:p>
+            <a:pPr lvl="1"/>
+            <a:r>
+              <a:rPr lang="en-US" dirty="0" smtClean="0"/>
+              <a:t>There are invalid inputs in the fields</a:t>
+            </a:r>
+            <a:endParaRPr lang="en-US" dirty="0" smtClean="0"/>
+          </a:p>
+        </p:txBody>
+      </p:sp>
+    </p:spTree>
+    <p:extLst>
+      <p:ext uri="{BB962C8B-B14F-4D97-AF65-F5344CB8AC3E}">
+        <p14:creationId xmlns:p14="http://schemas.microsoft.com/office/powerpoint/2010/main" val="2935528929"/>
       </p:ext>
     </p:extLst>
   </p:cSld>
